--- a/open_repo/unit3_statements.pptx
+++ b/open_repo/unit3_statements.pptx
@@ -12,8 +12,10 @@
     <p:sldId id="260" r:id="rId6"/>
     <p:sldId id="261" r:id="rId7"/>
     <p:sldId id="262" r:id="rId8"/>
-    <p:sldId id="264" r:id="rId9"/>
-    <p:sldId id="263" r:id="rId10"/>
+    <p:sldId id="265" r:id="rId9"/>
+    <p:sldId id="266" r:id="rId10"/>
+    <p:sldId id="264" r:id="rId11"/>
+    <p:sldId id="263" r:id="rId12"/>
   </p:sldIdLst>
   <p:sldSz cx="12192000" cy="6858000"/>
   <p:notesSz cx="6858000" cy="9144000"/>
@@ -112,6 +114,11 @@
       </a:defRPr>
     </a:lvl9pPr>
   </p:defaultTextStyle>
+  <p:extLst>
+    <p:ext uri="{EFAFB233-063F-42B5-8137-9DF3F51BA10A}">
+      <p15:sldGuideLst xmlns:p15="http://schemas.microsoft.com/office/powerpoint/2012/main"/>
+    </p:ext>
+  </p:extLst>
 </p:presentation>
 </file>
 
@@ -210,7 +217,7 @@
           <a:effectLst/>
           <a:extLst>
             <a:ext uri="{91240B29-F687-4f45-9708-019B960494DF}">
-              <a14:hiddenLine xmlns:a14="http://schemas.microsoft.com/office/drawing/2010/main" xmlns="" w="9525">
+              <a14:hiddenLine xmlns="" xmlns:a14="http://schemas.microsoft.com/office/drawing/2010/main" w="9525">
                 <a:solidFill>
                   <a:srgbClr val="000000"/>
                 </a:solidFill>
@@ -403,7 +410,7 @@
             <a:fld id="{08B9EBBA-996F-894A-B54A-D6246ED52CEA}" type="datetimeFigureOut">
               <a:rPr lang="en-US" dirty="0"/>
               <a:pPr/>
-              <a:t>4/25/23</a:t>
+              <a:t>4/27/23</a:t>
             </a:fld>
             <a:endParaRPr lang="en-US" dirty="0"/>
           </a:p>
@@ -718,7 +725,7 @@
             <a:fld id="{18C79C5D-2A6F-F04D-97DA-BEF2467B64E4}" type="datetimeFigureOut">
               <a:rPr lang="en-US" dirty="0"/>
               <a:pPr/>
-              <a:t>4/25/23</a:t>
+              <a:t>4/27/23</a:t>
             </a:fld>
             <a:endParaRPr lang="en-US" dirty="0"/>
           </a:p>
@@ -1203,7 +1210,7 @@
             <a:fld id="{8DFA1846-DA80-1C48-A609-854EA85C59AD}" type="datetimeFigureOut">
               <a:rPr lang="en-US" dirty="0"/>
               <a:pPr/>
-              <a:t>4/25/23</a:t>
+              <a:t>4/27/23</a:t>
             </a:fld>
             <a:endParaRPr lang="en-US" dirty="0"/>
           </a:p>
@@ -1569,7 +1576,7 @@
             <a:fld id="{FBF54567-0DE4-3F47-BF90-CB84690072F9}" type="datetimeFigureOut">
               <a:rPr lang="en-US" dirty="0"/>
               <a:pPr/>
-              <a:t>4/25/23</a:t>
+              <a:t>4/27/23</a:t>
             </a:fld>
             <a:endParaRPr lang="en-US" dirty="0"/>
           </a:p>
@@ -1720,7 +1727,7 @@
           <a:ln/>
           <a:extLst>
             <a:ext uri="{91240B29-F687-4f45-9708-019B960494DF}">
-              <a14:hiddenLine xmlns:a14="http://schemas.microsoft.com/office/drawing/2010/main" xmlns="" w="9525">
+              <a14:hiddenLine xmlns="" xmlns:a14="http://schemas.microsoft.com/office/drawing/2010/main" w="9525">
                 <a:solidFill>
                   <a:srgbClr val="000000"/>
                 </a:solidFill>
@@ -1839,7 +1846,7 @@
             <a:fld id="{C6C52C72-DE31-F449-A4ED-4C594FD91407}" type="datetimeFigureOut">
               <a:rPr lang="en-US" dirty="0"/>
               <a:pPr/>
-              <a:t>4/25/23</a:t>
+              <a:t>4/27/23</a:t>
             </a:fld>
             <a:endParaRPr lang="en-US" dirty="0"/>
           </a:p>
@@ -1992,7 +1999,7 @@
           <a:ln/>
           <a:extLst>
             <a:ext uri="{91240B29-F687-4f45-9708-019B960494DF}">
-              <a14:hiddenLine xmlns:a14="http://schemas.microsoft.com/office/drawing/2010/main" xmlns="" w="9525">
+              <a14:hiddenLine xmlns="" xmlns:a14="http://schemas.microsoft.com/office/drawing/2010/main" w="9525">
                 <a:solidFill>
                   <a:srgbClr val="000000"/>
                 </a:solidFill>
@@ -2121,7 +2128,7 @@
             <a:fld id="{ED62726E-379B-B349-9EED-81ED093FA806}" type="datetimeFigureOut">
               <a:rPr lang="en-US" dirty="0"/>
               <a:pPr/>
-              <a:t>4/25/23</a:t>
+              <a:t>4/27/23</a:t>
             </a:fld>
             <a:endParaRPr lang="en-US" dirty="0"/>
           </a:p>
@@ -2272,7 +2279,7 @@
           <a:ln/>
           <a:extLst>
             <a:ext uri="{91240B29-F687-4f45-9708-019B960494DF}">
-              <a14:hiddenLine xmlns:a14="http://schemas.microsoft.com/office/drawing/2010/main" xmlns="" w="9525">
+              <a14:hiddenLine xmlns="" xmlns:a14="http://schemas.microsoft.com/office/drawing/2010/main" w="9525">
                 <a:solidFill>
                   <a:srgbClr val="000000"/>
                 </a:solidFill>
@@ -2401,7 +2408,7 @@
             <a:fld id="{9B3A1323-8D79-1946-B0D7-40001CF92E9D}" type="datetimeFigureOut">
               <a:rPr lang="en-US" dirty="0"/>
               <a:pPr/>
-              <a:t>4/25/23</a:t>
+              <a:t>4/27/23</a:t>
             </a:fld>
             <a:endParaRPr lang="en-US" dirty="0"/>
           </a:p>
@@ -2741,7 +2748,7 @@
             <a:fld id="{8DFA1846-DA80-1C48-A609-854EA85C59AD}" type="datetimeFigureOut">
               <a:rPr lang="en-US" dirty="0"/>
               <a:pPr/>
-              <a:t>4/25/23</a:t>
+              <a:t>4/27/23</a:t>
             </a:fld>
             <a:endParaRPr lang="en-US" dirty="0"/>
           </a:p>
@@ -2892,7 +2899,7 @@
           <a:ln/>
           <a:extLst>
             <a:ext uri="{91240B29-F687-4f45-9708-019B960494DF}">
-              <a14:hiddenLine xmlns:a14="http://schemas.microsoft.com/office/drawing/2010/main" xmlns="" w="9525">
+              <a14:hiddenLine xmlns="" xmlns:a14="http://schemas.microsoft.com/office/drawing/2010/main" w="9525">
                 <a:solidFill>
                   <a:srgbClr val="000000"/>
                 </a:solidFill>
@@ -3077,7 +3084,7 @@
             <a:fld id="{57302355-E14B-8545-A8F8-0FE83CC9D524}" type="datetimeFigureOut">
               <a:rPr lang="en-US" dirty="0"/>
               <a:pPr/>
-              <a:t>4/25/23</a:t>
+              <a:t>4/27/23</a:t>
             </a:fld>
             <a:endParaRPr lang="en-US" dirty="0"/>
           </a:p>
@@ -3228,7 +3235,7 @@
           <a:ln/>
           <a:extLst>
             <a:ext uri="{91240B29-F687-4f45-9708-019B960494DF}">
-              <a14:hiddenLine xmlns:a14="http://schemas.microsoft.com/office/drawing/2010/main" xmlns="" w="9525">
+              <a14:hiddenLine xmlns="" xmlns:a14="http://schemas.microsoft.com/office/drawing/2010/main" w="9525">
                 <a:solidFill>
                   <a:srgbClr val="000000"/>
                 </a:solidFill>
@@ -3551,7 +3558,7 @@
             <a:fld id="{02640F58-564D-2B4F-AE67-E407BA4FCF45}" type="datetimeFigureOut">
               <a:rPr lang="en-US" dirty="0"/>
               <a:pPr/>
-              <a:t>4/25/23</a:t>
+              <a:t>4/27/23</a:t>
             </a:fld>
             <a:endParaRPr lang="en-US" dirty="0"/>
           </a:p>
@@ -3702,7 +3709,7 @@
           <a:ln/>
           <a:extLst>
             <a:ext uri="{91240B29-F687-4f45-9708-019B960494DF}">
-              <a14:hiddenLine xmlns:a14="http://schemas.microsoft.com/office/drawing/2010/main" xmlns="" w="9525">
+              <a14:hiddenLine xmlns="" xmlns:a14="http://schemas.microsoft.com/office/drawing/2010/main" w="9525">
                 <a:solidFill>
                   <a:srgbClr val="000000"/>
                 </a:solidFill>
@@ -3769,7 +3776,7 @@
             <a:fld id="{F13A34C8-038E-2045-AF43-DF7DBB8E0E9E}" type="datetimeFigureOut">
               <a:rPr lang="en-US" dirty="0"/>
               <a:pPr/>
-              <a:t>4/25/23</a:t>
+              <a:t>4/27/23</a:t>
             </a:fld>
             <a:endParaRPr lang="en-US" dirty="0"/>
           </a:p>
@@ -3861,7 +3868,7 @@
             <a:fld id="{8818C68F-D26B-8F47-958C-23B49CF8A634}" type="datetimeFigureOut">
               <a:rPr lang="en-US" dirty="0"/>
               <a:pPr/>
-              <a:t>4/25/23</a:t>
+              <a:t>4/27/23</a:t>
             </a:fld>
             <a:endParaRPr lang="en-US" dirty="0"/>
           </a:p>
@@ -4125,7 +4132,7 @@
           <a:ln/>
           <a:extLst>
             <a:ext uri="{91240B29-F687-4f45-9708-019B960494DF}">
-              <a14:hiddenLine xmlns:a14="http://schemas.microsoft.com/office/drawing/2010/main" xmlns="" w="9525">
+              <a14:hiddenLine xmlns="" xmlns:a14="http://schemas.microsoft.com/office/drawing/2010/main" w="9525">
                 <a:solidFill>
                   <a:srgbClr val="000000"/>
                 </a:solidFill>
@@ -4325,7 +4332,7 @@
             <a:fld id="{D0DF5E60-9974-AC48-9591-99C2BB44B7CF}" type="datetimeFigureOut">
               <a:rPr lang="en-US" dirty="0"/>
               <a:pPr/>
-              <a:t>4/25/23</a:t>
+              <a:t>4/27/23</a:t>
             </a:fld>
             <a:endParaRPr lang="en-US" dirty="0"/>
           </a:p>
@@ -4635,7 +4642,7 @@
             <a:fld id="{18C79C5D-2A6F-F04D-97DA-BEF2467B64E4}" type="datetimeFigureOut">
               <a:rPr lang="en-US" dirty="0"/>
               <a:pPr/>
-              <a:t>4/25/23</a:t>
+              <a:t>4/27/23</a:t>
             </a:fld>
             <a:endParaRPr lang="en-US" dirty="0"/>
           </a:p>
@@ -4902,7 +4909,7 @@
             <a:fld id="{09B482E8-6E0E-1B4F-B1FD-C69DB9E858D9}" type="datetimeFigureOut">
               <a:rPr lang="en-US" dirty="0"/>
               <a:pPr/>
-              <a:t>4/25/23</a:t>
+              <a:t>4/27/23</a:t>
             </a:fld>
             <a:endParaRPr lang="en-US" dirty="0"/>
           </a:p>
@@ -5426,6 +5433,206 @@
 </p:sld>
 </file>
 
+<file path=ppt/slides/slide10.xml><?xml version="1.0" encoding="utf-8"?>
+<p:sld xmlns:a="http://schemas.openxmlformats.org/drawingml/2006/main" xmlns:r="http://schemas.openxmlformats.org/officeDocument/2006/relationships" xmlns:p="http://schemas.openxmlformats.org/presentationml/2006/main">
+  <p:cSld>
+    <p:spTree>
+      <p:nvGrpSpPr>
+        <p:cNvPr id="1" name=""/>
+        <p:cNvGrpSpPr/>
+        <p:nvPr/>
+      </p:nvGrpSpPr>
+      <p:grpSpPr>
+        <a:xfrm>
+          <a:off x="0" y="0"/>
+          <a:ext cx="0" cy="0"/>
+          <a:chOff x="0" y="0"/>
+          <a:chExt cx="0" cy="0"/>
+        </a:xfrm>
+      </p:grpSpPr>
+      <p:sp>
+        <p:nvSpPr>
+          <p:cNvPr id="2" name="Titel 1">
+            <a:extLst>
+              <a:ext uri="{FF2B5EF4-FFF2-40B4-BE49-F238E27FC236}">
+                <a16:creationId xmlns:a16="http://schemas.microsoft.com/office/drawing/2014/main" id="{76EF61BF-1B68-0794-762E-5BFBA1BDB503}"/>
+              </a:ext>
+            </a:extLst>
+          </p:cNvPr>
+          <p:cNvSpPr>
+            <a:spLocks noGrp="1"/>
+          </p:cNvSpPr>
+          <p:nvPr>
+            <p:ph type="title"/>
+          </p:nvPr>
+        </p:nvSpPr>
+        <p:spPr/>
+        <p:txBody>
+          <a:bodyPr/>
+          <a:lstStyle/>
+          <a:p>
+            <a:r>
+              <a:rPr lang="de-DE" dirty="0" err="1"/>
+              <a:t>Exercises</a:t>
+            </a:r>
+            <a:endParaRPr lang="de-DE" dirty="0"/>
+          </a:p>
+        </p:txBody>
+      </p:sp>
+      <p:sp>
+        <p:nvSpPr>
+          <p:cNvPr id="3" name="Inhaltsplatzhalter 2">
+            <a:extLst>
+              <a:ext uri="{FF2B5EF4-FFF2-40B4-BE49-F238E27FC236}">
+                <a16:creationId xmlns:a16="http://schemas.microsoft.com/office/drawing/2014/main" id="{5D3C6F8D-DF17-A424-2FA4-B30A45C80978}"/>
+              </a:ext>
+            </a:extLst>
+          </p:cNvPr>
+          <p:cNvSpPr>
+            <a:spLocks noGrp="1"/>
+          </p:cNvSpPr>
+          <p:nvPr>
+            <p:ph idx="1"/>
+          </p:nvPr>
+        </p:nvSpPr>
+        <p:spPr/>
+        <p:txBody>
+          <a:bodyPr/>
+          <a:lstStyle/>
+          <a:p>
+            <a:r>
+              <a:rPr lang="de-DE" dirty="0" err="1"/>
+              <a:t>to</a:t>
+            </a:r>
+            <a:r>
+              <a:rPr lang="de-DE" dirty="0"/>
+              <a:t> </a:t>
+            </a:r>
+            <a:r>
+              <a:rPr lang="de-DE" dirty="0" err="1"/>
+              <a:t>be</a:t>
+            </a:r>
+            <a:r>
+              <a:rPr lang="de-DE" dirty="0"/>
+              <a:t> </a:t>
+            </a:r>
+            <a:r>
+              <a:rPr lang="de-DE"/>
+              <a:t>continued</a:t>
+            </a:r>
+          </a:p>
+        </p:txBody>
+      </p:sp>
+    </p:spTree>
+    <p:extLst>
+      <p:ext uri="{BB962C8B-B14F-4D97-AF65-F5344CB8AC3E}">
+        <p14:creationId xmlns:p14="http://schemas.microsoft.com/office/powerpoint/2010/main" val="3429341942"/>
+      </p:ext>
+    </p:extLst>
+  </p:cSld>
+  <p:clrMapOvr>
+    <a:masterClrMapping/>
+  </p:clrMapOvr>
+</p:sld>
+</file>
+
+<file path=ppt/slides/slide11.xml><?xml version="1.0" encoding="utf-8"?>
+<p:sld xmlns:a="http://schemas.openxmlformats.org/drawingml/2006/main" xmlns:r="http://schemas.openxmlformats.org/officeDocument/2006/relationships" xmlns:p="http://schemas.openxmlformats.org/presentationml/2006/main">
+  <p:cSld>
+    <p:spTree>
+      <p:nvGrpSpPr>
+        <p:cNvPr id="1" name=""/>
+        <p:cNvGrpSpPr/>
+        <p:nvPr/>
+      </p:nvGrpSpPr>
+      <p:grpSpPr>
+        <a:xfrm>
+          <a:off x="0" y="0"/>
+          <a:ext cx="0" cy="0"/>
+          <a:chOff x="0" y="0"/>
+          <a:chExt cx="0" cy="0"/>
+        </a:xfrm>
+      </p:grpSpPr>
+      <p:sp>
+        <p:nvSpPr>
+          <p:cNvPr id="2" name="Titel 1">
+            <a:extLst>
+              <a:ext uri="{FF2B5EF4-FFF2-40B4-BE49-F238E27FC236}">
+                <a16:creationId xmlns:a16="http://schemas.microsoft.com/office/drawing/2014/main" id="{6BA6BA04-C603-218D-4FB5-3FADAE391A8F}"/>
+              </a:ext>
+            </a:extLst>
+          </p:cNvPr>
+          <p:cNvSpPr>
+            <a:spLocks noGrp="1"/>
+          </p:cNvSpPr>
+          <p:nvPr>
+            <p:ph type="title"/>
+          </p:nvPr>
+        </p:nvSpPr>
+        <p:spPr/>
+        <p:txBody>
+          <a:bodyPr/>
+          <a:lstStyle/>
+          <a:p>
+            <a:r>
+              <a:rPr lang="de-DE" dirty="0"/>
+              <a:t>Python </a:t>
+            </a:r>
+            <a:r>
+              <a:rPr lang="de-DE" dirty="0" err="1"/>
+              <a:t>Documentation</a:t>
+            </a:r>
+            <a:endParaRPr lang="de-DE" dirty="0"/>
+          </a:p>
+        </p:txBody>
+      </p:sp>
+      <p:sp>
+        <p:nvSpPr>
+          <p:cNvPr id="3" name="Inhaltsplatzhalter 2">
+            <a:extLst>
+              <a:ext uri="{FF2B5EF4-FFF2-40B4-BE49-F238E27FC236}">
+                <a16:creationId xmlns:a16="http://schemas.microsoft.com/office/drawing/2014/main" id="{A7087C69-C65E-31F1-3147-714D764416D3}"/>
+              </a:ext>
+            </a:extLst>
+          </p:cNvPr>
+          <p:cNvSpPr>
+            <a:spLocks noGrp="1"/>
+          </p:cNvSpPr>
+          <p:nvPr>
+            <p:ph idx="1"/>
+          </p:nvPr>
+        </p:nvSpPr>
+        <p:spPr/>
+        <p:txBody>
+          <a:bodyPr/>
+          <a:lstStyle/>
+          <a:p>
+            <a:r>
+              <a:rPr lang="de-DE" dirty="0">
+                <a:hlinkClick r:id="rId2"/>
+              </a:rPr>
+              <a:t>https://docs.python.org/3/tutorial/controlflow.html</a:t>
+            </a:r>
+            <a:endParaRPr lang="de-DE" dirty="0"/>
+          </a:p>
+          <a:p>
+            <a:endParaRPr lang="de-DE" dirty="0"/>
+          </a:p>
+        </p:txBody>
+      </p:sp>
+    </p:spTree>
+    <p:extLst>
+      <p:ext uri="{BB962C8B-B14F-4D97-AF65-F5344CB8AC3E}">
+        <p14:creationId xmlns:p14="http://schemas.microsoft.com/office/powerpoint/2010/main" val="2149498025"/>
+      </p:ext>
+    </p:extLst>
+  </p:cSld>
+  <p:clrMapOvr>
+    <a:masterClrMapping/>
+  </p:clrMapOvr>
+</p:sld>
+</file>
+
 <file path=ppt/slides/slide2.xml><?xml version="1.0" encoding="utf-8"?>
 <p:sld xmlns:a="http://schemas.openxmlformats.org/drawingml/2006/main" xmlns:r="http://schemas.openxmlformats.org/officeDocument/2006/relationships" xmlns:p="http://schemas.openxmlformats.org/presentationml/2006/main">
   <p:cSld>
@@ -5548,17 +5755,14 @@
           <a:lstStyle/>
           <a:p>
             <a:r>
-              <a:rPr lang="de-DE" dirty="0"/>
-              <a:t>Unit 3 – </a:t>
-            </a:r>
-            <a:r>
-              <a:rPr lang="de-DE" dirty="0" err="1"/>
-              <a:t>Controll</a:t>
-            </a:r>
-            <a:r>
-              <a:rPr lang="de-DE" dirty="0"/>
-              <a:t> Flow &amp; Statements</a:t>
-            </a:r>
+              <a:rPr lang="de-DE" sz="3800" dirty="0"/>
+              <a:t>Unit 3 – Control Flow: Statements &amp; </a:t>
+            </a:r>
+            <a:r>
+              <a:rPr lang="de-DE" sz="3800" dirty="0" err="1"/>
+              <a:t>Functions</a:t>
+            </a:r>
+            <a:endParaRPr lang="de-DE" sz="3800" dirty="0"/>
           </a:p>
         </p:txBody>
       </p:sp>
@@ -5589,7 +5793,57 @@
             </a:pPr>
             <a:r>
               <a:rPr lang="de-DE" dirty="0"/>
+              <a:t>Statements</a:t>
+            </a:r>
+          </a:p>
+          <a:p>
+            <a:pPr lvl="1">
+              <a:buFont typeface="+mj-lt"/>
+              <a:buAutoNum type="arabicPeriod"/>
+            </a:pPr>
+            <a:r>
+              <a:rPr lang="de-DE" dirty="0"/>
               <a:t>IF – Statements</a:t>
+            </a:r>
+          </a:p>
+          <a:p>
+            <a:pPr lvl="1">
+              <a:buFont typeface="+mj-lt"/>
+              <a:buAutoNum type="arabicPeriod"/>
+            </a:pPr>
+            <a:r>
+              <a:rPr lang="de-DE" dirty="0"/>
+              <a:t>Loops:</a:t>
+            </a:r>
+          </a:p>
+          <a:p>
+            <a:pPr lvl="2">
+              <a:buFont typeface="+mj-lt"/>
+              <a:buAutoNum type="arabicPeriod"/>
+            </a:pPr>
+            <a:r>
+              <a:rPr lang="de-DE" dirty="0"/>
+              <a:t>WHILE- Statement</a:t>
+            </a:r>
+          </a:p>
+          <a:p>
+            <a:pPr lvl="2">
+              <a:buFont typeface="+mj-lt"/>
+              <a:buAutoNum type="arabicPeriod"/>
+            </a:pPr>
+            <a:r>
+              <a:rPr lang="de-DE" dirty="0"/>
+              <a:t>FOR- Statement</a:t>
+            </a:r>
+          </a:p>
+          <a:p>
+            <a:pPr lvl="1">
+              <a:buFont typeface="+mj-lt"/>
+              <a:buAutoNum type="arabicPeriod"/>
+            </a:pPr>
+            <a:r>
+              <a:rPr lang="de-DE" dirty="0"/>
+              <a:t>MATCH- Statement</a:t>
             </a:r>
           </a:p>
           <a:p>
@@ -5598,39 +5852,10 @@
               <a:buAutoNum type="arabicPeriod"/>
             </a:pPr>
             <a:r>
-              <a:rPr lang="de-DE" dirty="0"/>
-              <a:t>Loops:</a:t>
-            </a:r>
-          </a:p>
-          <a:p>
-            <a:pPr lvl="1">
-              <a:buFont typeface="+mj-lt"/>
-              <a:buAutoNum type="arabicPeriod"/>
-            </a:pPr>
-            <a:r>
-              <a:rPr lang="de-DE" dirty="0"/>
-              <a:t>WHILE- Statement</a:t>
-            </a:r>
-          </a:p>
-          <a:p>
-            <a:pPr lvl="1">
-              <a:buFont typeface="+mj-lt"/>
-              <a:buAutoNum type="arabicPeriod"/>
-            </a:pPr>
-            <a:r>
-              <a:rPr lang="de-DE" dirty="0"/>
-              <a:t>FOR- Statement</a:t>
-            </a:r>
-          </a:p>
-          <a:p>
-            <a:pPr>
-              <a:buFont typeface="+mj-lt"/>
-              <a:buAutoNum type="arabicPeriod"/>
-            </a:pPr>
-            <a:r>
-              <a:rPr lang="de-DE" dirty="0"/>
-              <a:t>MATCH- Statement</a:t>
-            </a:r>
+              <a:rPr lang="de-DE" dirty="0" err="1"/>
+              <a:t>Functions</a:t>
+            </a:r>
+            <a:endParaRPr lang="de-DE" dirty="0"/>
           </a:p>
         </p:txBody>
       </p:sp>
@@ -7328,7 +7553,7 @@
           <p:cNvPr id="2" name="Titel 1">
             <a:extLst>
               <a:ext uri="{FF2B5EF4-FFF2-40B4-BE49-F238E27FC236}">
-                <a16:creationId xmlns:a16="http://schemas.microsoft.com/office/drawing/2014/main" id="{76EF61BF-1B68-0794-762E-5BFBA1BDB503}"/>
+                <a16:creationId xmlns:a16="http://schemas.microsoft.com/office/drawing/2014/main" id="{2F792FD8-6EF5-11A0-9E6F-69F3C64150AF}"/>
               </a:ext>
             </a:extLst>
           </p:cNvPr>
@@ -7346,7 +7571,7 @@
           <a:p>
             <a:r>
               <a:rPr lang="de-DE" dirty="0" err="1"/>
-              <a:t>Exercises</a:t>
+              <a:t>Functions</a:t>
             </a:r>
             <a:endParaRPr lang="de-DE" dirty="0"/>
           </a:p>
@@ -7357,7 +7582,7 @@
           <p:cNvPr id="3" name="Inhaltsplatzhalter 2">
             <a:extLst>
               <a:ext uri="{FF2B5EF4-FFF2-40B4-BE49-F238E27FC236}">
-                <a16:creationId xmlns:a16="http://schemas.microsoft.com/office/drawing/2014/main" id="{5D3C6F8D-DF17-A424-2FA4-B30A45C80978}"/>
+                <a16:creationId xmlns:a16="http://schemas.microsoft.com/office/drawing/2014/main" id="{9E420285-2B30-0658-B50B-5AA54430146F}"/>
               </a:ext>
             </a:extLst>
           </p:cNvPr>
@@ -7375,7 +7600,7 @@
           <a:p>
             <a:r>
               <a:rPr lang="de-DE" dirty="0" err="1"/>
-              <a:t>to</a:t>
+              <a:t>outsourcing</a:t>
             </a:r>
             <a:r>
               <a:rPr lang="de-DE" dirty="0"/>
@@ -7383,23 +7608,337 @@
             </a:r>
             <a:r>
               <a:rPr lang="de-DE" dirty="0" err="1"/>
-              <a:t>be</a:t>
+              <a:t>of</a:t>
+            </a:r>
+            <a:r>
+              <a:rPr lang="de-DE" dirty="0"/>
+              <a:t> code </a:t>
+            </a:r>
+            <a:r>
+              <a:rPr lang="de-DE" dirty="0" err="1"/>
+              <a:t>to</a:t>
             </a:r>
             <a:r>
               <a:rPr lang="de-DE" dirty="0"/>
               <a:t> </a:t>
             </a:r>
             <a:r>
-              <a:rPr lang="de-DE"/>
-              <a:t>continued</a:t>
-            </a:r>
+              <a:rPr lang="de-DE" dirty="0" err="1"/>
+              <a:t>reuse</a:t>
+            </a:r>
+            <a:r>
+              <a:rPr lang="de-DE" dirty="0"/>
+              <a:t> </a:t>
+            </a:r>
+            <a:r>
+              <a:rPr lang="de-DE" dirty="0" err="1"/>
+              <a:t>it</a:t>
+            </a:r>
+            <a:endParaRPr lang="de-DE" dirty="0"/>
+          </a:p>
+          <a:p>
+            <a:r>
+              <a:rPr lang="de-DE" dirty="0" err="1"/>
+              <a:t>only</a:t>
+            </a:r>
+            <a:r>
+              <a:rPr lang="de-DE" dirty="0"/>
+              <a:t> </a:t>
+            </a:r>
+            <a:r>
+              <a:rPr lang="de-DE" dirty="0" err="1"/>
+              <a:t>runs</a:t>
+            </a:r>
+            <a:r>
+              <a:rPr lang="de-DE" dirty="0"/>
+              <a:t> </a:t>
+            </a:r>
+            <a:r>
+              <a:rPr lang="de-DE" dirty="0" err="1"/>
+              <a:t>when</a:t>
+            </a:r>
+            <a:r>
+              <a:rPr lang="de-DE" dirty="0"/>
+              <a:t> </a:t>
+            </a:r>
+            <a:r>
+              <a:rPr lang="de-DE" dirty="0" err="1"/>
+              <a:t>called</a:t>
+            </a:r>
+            <a:endParaRPr lang="de-DE" dirty="0"/>
+          </a:p>
+        </p:txBody>
+      </p:sp>
+      <p:sp>
+        <p:nvSpPr>
+          <p:cNvPr id="4" name="Textfeld 3">
+            <a:extLst>
+              <a:ext uri="{FF2B5EF4-FFF2-40B4-BE49-F238E27FC236}">
+                <a16:creationId xmlns:a16="http://schemas.microsoft.com/office/drawing/2014/main" id="{4632AD94-4F48-C82C-57F3-BE3FC1D174E5}"/>
+              </a:ext>
+            </a:extLst>
+          </p:cNvPr>
+          <p:cNvSpPr txBox="1"/>
+          <p:nvPr/>
+        </p:nvSpPr>
+        <p:spPr>
+          <a:xfrm>
+            <a:off x="5692140" y="2891790"/>
+            <a:ext cx="5173258" cy="1422801"/>
+          </a:xfrm>
+          <a:prstGeom prst="roundRect">
+            <a:avLst/>
+          </a:prstGeom>
+          <a:noFill/>
+          <a:ln>
+            <a:solidFill>
+              <a:schemeClr val="accent1"/>
+            </a:solidFill>
+          </a:ln>
+        </p:spPr>
+        <p:style>
+          <a:lnRef idx="0">
+            <a:scrgbClr r="0" g="0" b="0"/>
+          </a:lnRef>
+          <a:fillRef idx="0">
+            <a:scrgbClr r="0" g="0" b="0"/>
+          </a:fillRef>
+          <a:effectRef idx="0">
+            <a:scrgbClr r="0" g="0" b="0"/>
+          </a:effectRef>
+          <a:fontRef idx="minor">
+            <a:schemeClr val="accent1"/>
+          </a:fontRef>
+        </p:style>
+        <p:txBody>
+          <a:bodyPr wrap="square" rtlCol="0">
+            <a:spAutoFit/>
+          </a:bodyPr>
+          <a:lstStyle/>
+          <a:p>
+            <a:pPr marL="457200" lvl="1" indent="0">
+              <a:lnSpc>
+                <a:spcPct val="150000"/>
+              </a:lnSpc>
+              <a:buNone/>
+            </a:pPr>
+            <a:r>
+              <a:rPr lang="de-DE" b="1" dirty="0">
+                <a:solidFill>
+                  <a:schemeClr val="accent1"/>
+                </a:solidFill>
+              </a:rPr>
+              <a:t> </a:t>
+            </a:r>
+            <a:r>
+              <a:rPr lang="de-DE" b="1" dirty="0" err="1"/>
+              <a:t>def</a:t>
+            </a:r>
+            <a:r>
+              <a:rPr lang="de-DE" dirty="0">
+                <a:solidFill>
+                  <a:schemeClr val="accent1"/>
+                </a:solidFill>
+              </a:rPr>
+              <a:t> </a:t>
+            </a:r>
+            <a:r>
+              <a:rPr lang="de-DE" i="1" dirty="0" err="1">
+                <a:solidFill>
+                  <a:schemeClr val="tx1">
+                    <a:lumMod val="65000"/>
+                  </a:schemeClr>
+                </a:solidFill>
+              </a:rPr>
+              <a:t>function_name</a:t>
+            </a:r>
+            <a:r>
+              <a:rPr lang="de-DE" b="1" dirty="0"/>
+              <a:t>( </a:t>
+            </a:r>
+            <a:r>
+              <a:rPr lang="de-DE" i="1" dirty="0">
+                <a:solidFill>
+                  <a:schemeClr val="tx1">
+                    <a:lumMod val="65000"/>
+                  </a:schemeClr>
+                </a:solidFill>
+              </a:rPr>
+              <a:t>parameter1,… </a:t>
+            </a:r>
+            <a:r>
+              <a:rPr lang="de-DE" b="1" i="1" dirty="0"/>
+              <a:t>)</a:t>
+            </a:r>
+            <a:r>
+              <a:rPr lang="de-DE" b="1" dirty="0"/>
+              <a:t> :</a:t>
+            </a:r>
+            <a:endParaRPr lang="de-DE" b="1" i="1" dirty="0"/>
+          </a:p>
+          <a:p>
+            <a:pPr marL="457200" lvl="1" indent="0">
+              <a:lnSpc>
+                <a:spcPct val="150000"/>
+              </a:lnSpc>
+              <a:buNone/>
+            </a:pPr>
+            <a:r>
+              <a:rPr lang="de-DE" b="1" dirty="0">
+                <a:solidFill>
+                  <a:schemeClr val="accent1"/>
+                </a:solidFill>
+              </a:rPr>
+              <a:t>	     </a:t>
+            </a:r>
+            <a:r>
+              <a:rPr lang="de-DE" i="1" dirty="0" err="1">
+                <a:solidFill>
+                  <a:schemeClr val="tx1">
+                    <a:lumMod val="65000"/>
+                  </a:schemeClr>
+                </a:solidFill>
+              </a:rPr>
+              <a:t>statements</a:t>
+            </a:r>
+            <a:endParaRPr lang="de-DE" i="1" dirty="0">
+              <a:solidFill>
+                <a:schemeClr val="tx1">
+                  <a:lumMod val="65000"/>
+                </a:schemeClr>
+              </a:solidFill>
+            </a:endParaRPr>
+          </a:p>
+          <a:p>
+            <a:pPr marL="457200" lvl="1" indent="0">
+              <a:lnSpc>
+                <a:spcPct val="150000"/>
+              </a:lnSpc>
+              <a:buNone/>
+            </a:pPr>
+            <a:r>
+              <a:rPr lang="de-DE" b="1" dirty="0">
+                <a:solidFill>
+                  <a:schemeClr val="accent1"/>
+                </a:solidFill>
+              </a:rPr>
+              <a:t>            </a:t>
+            </a:r>
+            <a:r>
+              <a:rPr lang="de-DE" b="1" dirty="0" err="1"/>
+              <a:t>return</a:t>
+            </a:r>
+            <a:endParaRPr lang="de-DE" dirty="0"/>
+          </a:p>
+        </p:txBody>
+      </p:sp>
+      <p:sp>
+        <p:nvSpPr>
+          <p:cNvPr id="5" name="Textfeld 4">
+            <a:extLst>
+              <a:ext uri="{FF2B5EF4-FFF2-40B4-BE49-F238E27FC236}">
+                <a16:creationId xmlns:a16="http://schemas.microsoft.com/office/drawing/2014/main" id="{F939D4B3-FBBF-6541-441A-B10CA4A744D4}"/>
+              </a:ext>
+            </a:extLst>
+          </p:cNvPr>
+          <p:cNvSpPr txBox="1"/>
+          <p:nvPr/>
+        </p:nvSpPr>
+        <p:spPr>
+          <a:xfrm>
+            <a:off x="5692140" y="4732394"/>
+            <a:ext cx="5173258" cy="503400"/>
+          </a:xfrm>
+          <a:prstGeom prst="roundRect">
+            <a:avLst/>
+          </a:prstGeom>
+          <a:noFill/>
+          <a:ln>
+            <a:solidFill>
+              <a:schemeClr val="accent1"/>
+            </a:solidFill>
+          </a:ln>
+        </p:spPr>
+        <p:style>
+          <a:lnRef idx="0">
+            <a:scrgbClr r="0" g="0" b="0"/>
+          </a:lnRef>
+          <a:fillRef idx="0">
+            <a:scrgbClr r="0" g="0" b="0"/>
+          </a:fillRef>
+          <a:effectRef idx="0">
+            <a:scrgbClr r="0" g="0" b="0"/>
+          </a:effectRef>
+          <a:fontRef idx="minor">
+            <a:schemeClr val="accent1"/>
+          </a:fontRef>
+        </p:style>
+        <p:txBody>
+          <a:bodyPr wrap="square" rtlCol="0">
+            <a:spAutoFit/>
+          </a:bodyPr>
+          <a:lstStyle/>
+          <a:p>
+            <a:pPr marL="457200" lvl="1" indent="0">
+              <a:lnSpc>
+                <a:spcPct val="150000"/>
+              </a:lnSpc>
+              <a:buNone/>
+            </a:pPr>
+            <a:r>
+              <a:rPr lang="de-DE" i="1" dirty="0" err="1">
+                <a:solidFill>
+                  <a:schemeClr val="tx1">
+                    <a:lumMod val="65000"/>
+                  </a:schemeClr>
+                </a:solidFill>
+              </a:rPr>
+              <a:t>function_name</a:t>
+            </a:r>
+            <a:r>
+              <a:rPr lang="de-DE" dirty="0">
+                <a:solidFill>
+                  <a:schemeClr val="accent1"/>
+                </a:solidFill>
+              </a:rPr>
+              <a:t> </a:t>
+            </a:r>
+            <a:r>
+              <a:rPr lang="de-DE" b="1" dirty="0">
+                <a:sym typeface="Wingdings" pitchFamily="2" charset="2"/>
+              </a:rPr>
+              <a:t>(</a:t>
+            </a:r>
+            <a:r>
+              <a:rPr lang="de-DE" i="1" dirty="0">
+                <a:solidFill>
+                  <a:schemeClr val="tx1">
+                    <a:lumMod val="65000"/>
+                  </a:schemeClr>
+                </a:solidFill>
+              </a:rPr>
+              <a:t>argument1,…</a:t>
+            </a:r>
+            <a:r>
+              <a:rPr lang="de-DE" b="1" dirty="0">
+                <a:sym typeface="Wingdings" pitchFamily="2" charset="2"/>
+              </a:rPr>
+              <a:t>)</a:t>
+            </a:r>
+            <a:endParaRPr lang="de-DE" i="1" dirty="0">
+              <a:solidFill>
+                <a:schemeClr val="tx1">
+                  <a:lumMod val="65000"/>
+                </a:schemeClr>
+              </a:solidFill>
+            </a:endParaRPr>
           </a:p>
         </p:txBody>
       </p:sp>
     </p:spTree>
     <p:extLst>
       <p:ext uri="{BB962C8B-B14F-4D97-AF65-F5344CB8AC3E}">
-        <p14:creationId xmlns:p14="http://schemas.microsoft.com/office/powerpoint/2010/main" val="3429341942"/>
+        <p14:creationId xmlns:p14="http://schemas.microsoft.com/office/powerpoint/2010/main" val="3380329117"/>
       </p:ext>
     </p:extLst>
   </p:cSld>
@@ -7431,7 +7970,7 @@
           <p:cNvPr id="2" name="Titel 1">
             <a:extLst>
               <a:ext uri="{FF2B5EF4-FFF2-40B4-BE49-F238E27FC236}">
-                <a16:creationId xmlns:a16="http://schemas.microsoft.com/office/drawing/2014/main" id="{6BA6BA04-C603-218D-4FB5-3FADAE391A8F}"/>
+                <a16:creationId xmlns:a16="http://schemas.microsoft.com/office/drawing/2014/main" id="{73B48CB2-C8AC-180A-00FD-C4708EA52D44}"/>
               </a:ext>
             </a:extLst>
           </p:cNvPr>
@@ -7448,55 +7987,773 @@
           <a:lstStyle/>
           <a:p>
             <a:r>
-              <a:rPr lang="de-DE" dirty="0"/>
-              <a:t>Python </a:t>
-            </a:r>
-            <a:r>
               <a:rPr lang="de-DE" dirty="0" err="1"/>
-              <a:t>Documentation</a:t>
+              <a:t>Functions</a:t>
             </a:r>
             <a:endParaRPr lang="de-DE" dirty="0"/>
           </a:p>
         </p:txBody>
       </p:sp>
-      <p:sp>
-        <p:nvSpPr>
-          <p:cNvPr id="3" name="Inhaltsplatzhalter 2">
+      <p:graphicFrame>
+        <p:nvGraphicFramePr>
+          <p:cNvPr id="5" name="Tabelle 5">
             <a:extLst>
               <a:ext uri="{FF2B5EF4-FFF2-40B4-BE49-F238E27FC236}">
-                <a16:creationId xmlns:a16="http://schemas.microsoft.com/office/drawing/2014/main" id="{A7087C69-C65E-31F1-3147-714D764416D3}"/>
+                <a16:creationId xmlns:a16="http://schemas.microsoft.com/office/drawing/2014/main" id="{A53D02A9-4061-3F23-B97F-7DD5CA79944A}"/>
               </a:ext>
             </a:extLst>
           </p:cNvPr>
-          <p:cNvSpPr>
-            <a:spLocks noGrp="1"/>
-          </p:cNvSpPr>
+          <p:cNvGraphicFramePr>
+            <a:graphicFrameLocks noGrp="1"/>
+          </p:cNvGraphicFramePr>
           <p:nvPr>
             <p:ph idx="1"/>
-          </p:nvPr>
-        </p:nvSpPr>
-        <p:spPr/>
-        <p:txBody>
-          <a:bodyPr/>
-          <a:lstStyle/>
-          <a:p>
-            <a:r>
-              <a:rPr lang="de-DE" dirty="0">
-                <a:hlinkClick r:id="rId2"/>
-              </a:rPr>
-              <a:t>https://docs.python.org/3/tutorial/controlflow.html</a:t>
-            </a:r>
-            <a:endParaRPr lang="de-DE" dirty="0"/>
-          </a:p>
-          <a:p>
-            <a:endParaRPr lang="de-DE" dirty="0"/>
-          </a:p>
-        </p:txBody>
-      </p:sp>
+            <p:extLst>
+              <p:ext uri="{D42A27DB-BD31-4B8C-83A1-F6EECF244321}">
+                <p14:modId xmlns:p14="http://schemas.microsoft.com/office/powerpoint/2010/main" val="3018497929"/>
+              </p:ext>
+            </p:extLst>
+          </p:nvPr>
+        </p:nvGraphicFramePr>
+        <p:xfrm>
+          <a:off x="810000" y="2427140"/>
+          <a:ext cx="10553696" cy="4065100"/>
+        </p:xfrm>
+        <a:graphic>
+          <a:graphicData uri="http://schemas.openxmlformats.org/drawingml/2006/table">
+            <a:tbl>
+              <a:tblPr firstRow="1" bandRow="1">
+                <a:noFill/>
+                <a:tableStyleId>{5C22544A-7EE6-4342-B048-85BDC9FD1C3A}</a:tableStyleId>
+              </a:tblPr>
+              <a:tblGrid>
+                <a:gridCol w="458730">
+                  <a:extLst>
+                    <a:ext uri="{9D8B030D-6E8A-4147-A177-3AD203B41FA5}">
+                      <a16:colId xmlns:a16="http://schemas.microsoft.com/office/drawing/2014/main" val="3204108544"/>
+                    </a:ext>
+                  </a:extLst>
+                </a:gridCol>
+                <a:gridCol w="502920">
+                  <a:extLst>
+                    <a:ext uri="{9D8B030D-6E8A-4147-A177-3AD203B41FA5}">
+                      <a16:colId xmlns:a16="http://schemas.microsoft.com/office/drawing/2014/main" val="2336942154"/>
+                    </a:ext>
+                  </a:extLst>
+                </a:gridCol>
+                <a:gridCol w="4796023">
+                  <a:extLst>
+                    <a:ext uri="{9D8B030D-6E8A-4147-A177-3AD203B41FA5}">
+                      <a16:colId xmlns:a16="http://schemas.microsoft.com/office/drawing/2014/main" val="4167290614"/>
+                    </a:ext>
+                  </a:extLst>
+                </a:gridCol>
+                <a:gridCol w="4796023">
+                  <a:extLst>
+                    <a:ext uri="{9D8B030D-6E8A-4147-A177-3AD203B41FA5}">
+                      <a16:colId xmlns:a16="http://schemas.microsoft.com/office/drawing/2014/main" val="2375853857"/>
+                    </a:ext>
+                  </a:extLst>
+                </a:gridCol>
+              </a:tblGrid>
+              <a:tr h="383540">
+                <a:tc rowSpan="2" gridSpan="2">
+                  <a:txBody>
+                    <a:bodyPr/>
+                    <a:lstStyle/>
+                    <a:p>
+                      <a:pPr algn="ctr"/>
+                      <a:endParaRPr lang="de-DE" b="1" dirty="0">
+                        <a:solidFill>
+                          <a:schemeClr val="tx1"/>
+                        </a:solidFill>
+                      </a:endParaRPr>
+                    </a:p>
+                  </a:txBody>
+                  <a:tcPr vert="vert270">
+                    <a:lnL w="12700" cmpd="sng">
+                      <a:noFill/>
+                    </a:lnL>
+                    <a:lnT w="12700" cmpd="sng">
+                      <a:noFill/>
+                    </a:lnT>
+                    <a:lnB w="12700" cap="flat" cmpd="sng" algn="ctr">
+                      <a:solidFill>
+                        <a:schemeClr val="tx1"/>
+                      </a:solidFill>
+                      <a:prstDash val="solid"/>
+                      <a:round/>
+                      <a:headEnd type="none" w="med" len="med"/>
+                      <a:tailEnd type="none" w="med" len="med"/>
+                    </a:lnB>
+                    <a:noFill/>
+                  </a:tcPr>
+                </a:tc>
+                <a:tc rowSpan="2" hMerge="1">
+                  <a:txBody>
+                    <a:bodyPr/>
+                    <a:lstStyle/>
+                    <a:p>
+                      <a:endParaRPr lang="de-DE" dirty="0"/>
+                    </a:p>
+                  </a:txBody>
+                  <a:tcPr>
+                    <a:lnT w="12700" cmpd="sng">
+                      <a:noFill/>
+                    </a:lnT>
+                    <a:lnB w="12700" cap="flat" cmpd="sng" algn="ctr">
+                      <a:solidFill>
+                        <a:schemeClr val="tx1"/>
+                      </a:solidFill>
+                      <a:prstDash val="solid"/>
+                      <a:round/>
+                      <a:headEnd type="none" w="med" len="med"/>
+                      <a:tailEnd type="none" w="med" len="med"/>
+                    </a:lnB>
+                    <a:noFill/>
+                  </a:tcPr>
+                </a:tc>
+                <a:tc gridSpan="2">
+                  <a:txBody>
+                    <a:bodyPr/>
+                    <a:lstStyle/>
+                    <a:p>
+                      <a:pPr marL="0" marR="0" lvl="0" indent="0" algn="ctr" defTabSz="457200" rtl="0" eaLnBrk="1" fontAlgn="auto" latinLnBrk="0" hangingPunct="1">
+                        <a:lnSpc>
+                          <a:spcPct val="100000"/>
+                        </a:lnSpc>
+                        <a:spcBef>
+                          <a:spcPts val="0"/>
+                        </a:spcBef>
+                        <a:spcAft>
+                          <a:spcPts val="0"/>
+                        </a:spcAft>
+                        <a:buClrTx/>
+                        <a:buSzTx/>
+                        <a:buFontTx/>
+                        <a:buNone/>
+                        <a:tabLst/>
+                        <a:defRPr/>
+                      </a:pPr>
+                      <a:r>
+                        <a:rPr lang="de-DE" dirty="0"/>
+                        <a:t>Identifikation der Parameter durch</a:t>
+                      </a:r>
+                    </a:p>
+                  </a:txBody>
+                  <a:tcPr/>
+                </a:tc>
+                <a:tc hMerge="1">
+                  <a:txBody>
+                    <a:bodyPr/>
+                    <a:lstStyle/>
+                    <a:p>
+                      <a:endParaRPr lang="de-DE" dirty="0"/>
+                    </a:p>
+                  </a:txBody>
+                  <a:tcPr/>
+                </a:tc>
+                <a:extLst>
+                  <a:ext uri="{0D108BD9-81ED-4DB2-BD59-A6C34878D82A}">
+                    <a16:rowId xmlns:a16="http://schemas.microsoft.com/office/drawing/2014/main" val="1445557446"/>
+                  </a:ext>
+                </a:extLst>
+              </a:tr>
+              <a:tr h="0">
+                <a:tc gridSpan="2" vMerge="1">
+                  <a:txBody>
+                    <a:bodyPr/>
+                    <a:lstStyle/>
+                    <a:p>
+                      <a:endParaRPr lang="de-DE"/>
+                    </a:p>
+                  </a:txBody>
+                  <a:tcPr/>
+                </a:tc>
+                <a:tc hMerge="1" vMerge="1">
+                  <a:txBody>
+                    <a:bodyPr/>
+                    <a:lstStyle/>
+                    <a:p>
+                      <a:endParaRPr lang="de-DE" dirty="0"/>
+                    </a:p>
+                  </a:txBody>
+                  <a:tcPr>
+                    <a:lnL w="12700" cmpd="sng">
+                      <a:noFill/>
+                    </a:lnL>
+                    <a:lnT w="12700" cap="flat" cmpd="sng" algn="ctr">
+                      <a:solidFill>
+                        <a:schemeClr val="tx1"/>
+                      </a:solidFill>
+                      <a:prstDash val="solid"/>
+                      <a:round/>
+                      <a:headEnd type="none" w="med" len="med"/>
+                      <a:tailEnd type="none" w="med" len="med"/>
+                    </a:lnT>
+                    <a:lnB w="12700" cap="flat" cmpd="sng" algn="ctr">
+                      <a:solidFill>
+                        <a:schemeClr val="tx1"/>
+                      </a:solidFill>
+                      <a:prstDash val="solid"/>
+                      <a:round/>
+                      <a:headEnd type="none" w="med" len="med"/>
+                      <a:tailEnd type="none" w="med" len="med"/>
+                    </a:lnB>
+                    <a:noFill/>
+                  </a:tcPr>
+                </a:tc>
+                <a:tc>
+                  <a:txBody>
+                    <a:bodyPr/>
+                    <a:lstStyle/>
+                    <a:p>
+                      <a:pPr algn="ctr"/>
+                      <a:r>
+                        <a:rPr lang="de-DE" dirty="0" err="1">
+                          <a:solidFill>
+                            <a:schemeClr val="tx1"/>
+                          </a:solidFill>
+                        </a:rPr>
+                        <a:t>sequence</a:t>
+                      </a:r>
+                      <a:endParaRPr lang="de-DE" dirty="0">
+                        <a:solidFill>
+                          <a:schemeClr val="tx1"/>
+                        </a:solidFill>
+                      </a:endParaRPr>
+                    </a:p>
+                  </a:txBody>
+                  <a:tcPr>
+                    <a:solidFill>
+                      <a:schemeClr val="accent1"/>
+                    </a:solidFill>
+                  </a:tcPr>
+                </a:tc>
+                <a:tc>
+                  <a:txBody>
+                    <a:bodyPr/>
+                    <a:lstStyle/>
+                    <a:p>
+                      <a:pPr algn="ctr"/>
+                      <a:r>
+                        <a:rPr lang="de-DE" dirty="0" err="1">
+                          <a:solidFill>
+                            <a:schemeClr val="tx1"/>
+                          </a:solidFill>
+                        </a:rPr>
+                        <a:t>name</a:t>
+                      </a:r>
+                      <a:r>
+                        <a:rPr lang="de-DE" dirty="0">
+                          <a:solidFill>
+                            <a:schemeClr val="tx1"/>
+                          </a:solidFill>
+                        </a:rPr>
+                        <a:t> </a:t>
+                      </a:r>
+                      <a:r>
+                        <a:rPr lang="de-DE" dirty="0" err="1">
+                          <a:solidFill>
+                            <a:schemeClr val="tx1"/>
+                          </a:solidFill>
+                        </a:rPr>
+                        <a:t>of</a:t>
+                      </a:r>
+                      <a:r>
+                        <a:rPr lang="de-DE" dirty="0">
+                          <a:solidFill>
+                            <a:schemeClr val="tx1"/>
+                          </a:solidFill>
+                        </a:rPr>
+                        <a:t> </a:t>
+                      </a:r>
+                      <a:r>
+                        <a:rPr lang="de-DE" dirty="0" err="1">
+                          <a:solidFill>
+                            <a:schemeClr val="tx1"/>
+                          </a:solidFill>
+                        </a:rPr>
+                        <a:t>parameters</a:t>
+                      </a:r>
+                      <a:endParaRPr lang="de-DE" dirty="0">
+                        <a:solidFill>
+                          <a:schemeClr val="tx1"/>
+                        </a:solidFill>
+                      </a:endParaRPr>
+                    </a:p>
+                  </a:txBody>
+                  <a:tcPr>
+                    <a:solidFill>
+                      <a:schemeClr val="accent1"/>
+                    </a:solidFill>
+                  </a:tcPr>
+                </a:tc>
+                <a:extLst>
+                  <a:ext uri="{0D108BD9-81ED-4DB2-BD59-A6C34878D82A}">
+                    <a16:rowId xmlns:a16="http://schemas.microsoft.com/office/drawing/2014/main" val="2404341010"/>
+                  </a:ext>
+                </a:extLst>
+              </a:tr>
+              <a:tr h="1544150">
+                <a:tc rowSpan="2">
+                  <a:txBody>
+                    <a:bodyPr/>
+                    <a:lstStyle/>
+                    <a:p>
+                      <a:pPr algn="ctr"/>
+                      <a:r>
+                        <a:rPr lang="de-DE" b="1" dirty="0" err="1">
+                          <a:solidFill>
+                            <a:schemeClr val="tx1"/>
+                          </a:solidFill>
+                        </a:rPr>
+                        <a:t>Number</a:t>
+                      </a:r>
+                      <a:r>
+                        <a:rPr lang="de-DE" b="1" dirty="0">
+                          <a:solidFill>
+                            <a:schemeClr val="tx1"/>
+                          </a:solidFill>
+                        </a:rPr>
+                        <a:t> </a:t>
+                      </a:r>
+                      <a:r>
+                        <a:rPr lang="de-DE" b="1" dirty="0" err="1">
+                          <a:solidFill>
+                            <a:schemeClr val="tx1"/>
+                          </a:solidFill>
+                        </a:rPr>
+                        <a:t>of</a:t>
+                      </a:r>
+                      <a:r>
+                        <a:rPr lang="de-DE" b="1" dirty="0">
+                          <a:solidFill>
+                            <a:schemeClr val="tx1"/>
+                          </a:solidFill>
+                        </a:rPr>
+                        <a:t> Parameters</a:t>
+                      </a:r>
+                    </a:p>
+                  </a:txBody>
+                  <a:tcPr vert="vert270">
+                    <a:lnT w="12700" cap="flat" cmpd="sng" algn="ctr">
+                      <a:solidFill>
+                        <a:schemeClr val="tx1"/>
+                      </a:solidFill>
+                      <a:prstDash val="solid"/>
+                      <a:round/>
+                      <a:headEnd type="none" w="med" len="med"/>
+                      <a:tailEnd type="none" w="med" len="med"/>
+                    </a:lnT>
+                    <a:solidFill>
+                      <a:schemeClr val="accent1"/>
+                    </a:solidFill>
+                  </a:tcPr>
+                </a:tc>
+                <a:tc>
+                  <a:txBody>
+                    <a:bodyPr/>
+                    <a:lstStyle/>
+                    <a:p>
+                      <a:pPr algn="ctr"/>
+                      <a:r>
+                        <a:rPr lang="de-DE" dirty="0" err="1">
+                          <a:solidFill>
+                            <a:schemeClr val="tx1"/>
+                          </a:solidFill>
+                        </a:rPr>
+                        <a:t>known</a:t>
+                      </a:r>
+                      <a:endParaRPr lang="de-DE" dirty="0">
+                        <a:solidFill>
+                          <a:schemeClr val="tx1"/>
+                        </a:solidFill>
+                      </a:endParaRPr>
+                    </a:p>
+                  </a:txBody>
+                  <a:tcPr vert="vert270">
+                    <a:lnT w="12700" cap="flat" cmpd="sng" algn="ctr">
+                      <a:solidFill>
+                        <a:schemeClr val="tx1"/>
+                      </a:solidFill>
+                      <a:prstDash val="solid"/>
+                      <a:round/>
+                      <a:headEnd type="none" w="med" len="med"/>
+                      <a:tailEnd type="none" w="med" len="med"/>
+                    </a:lnT>
+                    <a:solidFill>
+                      <a:schemeClr val="accent1"/>
+                    </a:solidFill>
+                  </a:tcPr>
+                </a:tc>
+                <a:tc>
+                  <a:txBody>
+                    <a:bodyPr/>
+                    <a:lstStyle/>
+                    <a:p>
+                      <a:endParaRPr lang="de-DE" dirty="0"/>
+                    </a:p>
+                  </a:txBody>
+                  <a:tcPr>
+                    <a:noFill/>
+                  </a:tcPr>
+                </a:tc>
+                <a:tc>
+                  <a:txBody>
+                    <a:bodyPr/>
+                    <a:lstStyle/>
+                    <a:p>
+                      <a:endParaRPr lang="de-DE" dirty="0"/>
+                    </a:p>
+                  </a:txBody>
+                  <a:tcPr>
+                    <a:noFill/>
+                  </a:tcPr>
+                </a:tc>
+                <a:extLst>
+                  <a:ext uri="{0D108BD9-81ED-4DB2-BD59-A6C34878D82A}">
+                    <a16:rowId xmlns:a16="http://schemas.microsoft.com/office/drawing/2014/main" val="3128460841"/>
+                  </a:ext>
+                </a:extLst>
+              </a:tr>
+              <a:tr h="1771650">
+                <a:tc vMerge="1">
+                  <a:txBody>
+                    <a:bodyPr/>
+                    <a:lstStyle/>
+                    <a:p>
+                      <a:endParaRPr lang="de-DE" dirty="0"/>
+                    </a:p>
+                  </a:txBody>
+                  <a:tcPr>
+                    <a:solidFill>
+                      <a:schemeClr val="accent1"/>
+                    </a:solidFill>
+                  </a:tcPr>
+                </a:tc>
+                <a:tc>
+                  <a:txBody>
+                    <a:bodyPr/>
+                    <a:lstStyle/>
+                    <a:p>
+                      <a:pPr algn="ctr"/>
+                      <a:r>
+                        <a:rPr lang="de-DE" dirty="0" err="1">
+                          <a:solidFill>
+                            <a:schemeClr val="tx1"/>
+                          </a:solidFill>
+                        </a:rPr>
+                        <a:t>unknown</a:t>
+                      </a:r>
+                      <a:endParaRPr lang="de-DE" dirty="0">
+                        <a:solidFill>
+                          <a:schemeClr val="tx1"/>
+                        </a:solidFill>
+                      </a:endParaRPr>
+                    </a:p>
+                  </a:txBody>
+                  <a:tcPr vert="vert270">
+                    <a:solidFill>
+                      <a:schemeClr val="accent1"/>
+                    </a:solidFill>
+                  </a:tcPr>
+                </a:tc>
+                <a:tc>
+                  <a:txBody>
+                    <a:bodyPr/>
+                    <a:lstStyle/>
+                    <a:p>
+                      <a:endParaRPr lang="de-DE" dirty="0"/>
+                    </a:p>
+                    <a:p>
+                      <a:endParaRPr lang="de-DE" dirty="0"/>
+                    </a:p>
+                    <a:p>
+                      <a:endParaRPr lang="de-DE" dirty="0"/>
+                    </a:p>
+                    <a:p>
+                      <a:endParaRPr lang="de-DE" dirty="0"/>
+                    </a:p>
+                    <a:p>
+                      <a:endParaRPr lang="de-DE" dirty="0"/>
+                    </a:p>
+                    <a:p>
+                      <a:r>
+                        <a:rPr lang="de-DE" sz="1200" dirty="0">
+                          <a:solidFill>
+                            <a:schemeClr val="tx1"/>
+                          </a:solidFill>
+                        </a:rPr>
+                        <a:t>= </a:t>
+                      </a:r>
+                      <a:r>
+                        <a:rPr lang="de-DE" sz="1200" dirty="0" err="1">
+                          <a:solidFill>
+                            <a:schemeClr val="tx1"/>
+                          </a:solidFill>
+                        </a:rPr>
+                        <a:t>tuple</a:t>
+                      </a:r>
+                      <a:r>
+                        <a:rPr lang="de-DE" sz="1200" dirty="0">
+                          <a:solidFill>
+                            <a:schemeClr val="tx1"/>
+                          </a:solidFill>
+                        </a:rPr>
+                        <a:t> </a:t>
+                      </a:r>
+                      <a:r>
+                        <a:rPr lang="de-DE" sz="1200" dirty="0" err="1">
+                          <a:solidFill>
+                            <a:schemeClr val="tx1"/>
+                          </a:solidFill>
+                        </a:rPr>
+                        <a:t>of</a:t>
+                      </a:r>
+                      <a:r>
+                        <a:rPr lang="de-DE" sz="1200" dirty="0">
+                          <a:solidFill>
+                            <a:schemeClr val="tx1"/>
+                          </a:solidFill>
+                        </a:rPr>
+                        <a:t> </a:t>
+                      </a:r>
+                      <a:r>
+                        <a:rPr lang="de-DE" sz="1200" dirty="0" err="1">
+                          <a:solidFill>
+                            <a:schemeClr val="tx1"/>
+                          </a:solidFill>
+                        </a:rPr>
+                        <a:t>parameters</a:t>
+                      </a:r>
+                      <a:endParaRPr lang="de-DE" sz="1200" dirty="0">
+                        <a:solidFill>
+                          <a:schemeClr val="tx1"/>
+                        </a:solidFill>
+                      </a:endParaRPr>
+                    </a:p>
+                  </a:txBody>
+                  <a:tcPr>
+                    <a:noFill/>
+                  </a:tcPr>
+                </a:tc>
+                <a:tc>
+                  <a:txBody>
+                    <a:bodyPr/>
+                    <a:lstStyle/>
+                    <a:p>
+                      <a:r>
+                        <a:rPr lang="de-DE" dirty="0"/>
+                        <a:t>   </a:t>
+                      </a:r>
+                    </a:p>
+                    <a:p>
+                      <a:endParaRPr lang="de-DE" dirty="0"/>
+                    </a:p>
+                    <a:p>
+                      <a:endParaRPr lang="de-DE" dirty="0"/>
+                    </a:p>
+                    <a:p>
+                      <a:endParaRPr lang="de-DE" dirty="0"/>
+                    </a:p>
+                    <a:p>
+                      <a:endParaRPr lang="de-DE" dirty="0"/>
+                    </a:p>
+                    <a:p>
+                      <a:r>
+                        <a:rPr lang="de-DE" sz="1200" dirty="0">
+                          <a:solidFill>
+                            <a:schemeClr val="tx1"/>
+                          </a:solidFill>
+                        </a:rPr>
+                        <a:t>                =</a:t>
+                      </a:r>
+                      <a:r>
+                        <a:rPr lang="de-DE" sz="1200" dirty="0" err="1">
+                          <a:solidFill>
+                            <a:schemeClr val="tx1"/>
+                          </a:solidFill>
+                        </a:rPr>
+                        <a:t>dictionary</a:t>
+                      </a:r>
+                      <a:r>
+                        <a:rPr lang="de-DE" sz="1200" dirty="0">
+                          <a:solidFill>
+                            <a:schemeClr val="tx1"/>
+                          </a:solidFill>
+                        </a:rPr>
+                        <a:t> </a:t>
+                      </a:r>
+                      <a:r>
+                        <a:rPr lang="de-DE" sz="1200" dirty="0" err="1">
+                          <a:solidFill>
+                            <a:schemeClr val="tx1"/>
+                          </a:solidFill>
+                        </a:rPr>
+                        <a:t>of</a:t>
+                      </a:r>
+                      <a:r>
+                        <a:rPr lang="de-DE" sz="1200" dirty="0">
+                          <a:solidFill>
+                            <a:schemeClr val="tx1"/>
+                          </a:solidFill>
+                        </a:rPr>
+                        <a:t> </a:t>
+                      </a:r>
+                      <a:r>
+                        <a:rPr lang="de-DE" sz="1200" dirty="0" err="1">
+                          <a:solidFill>
+                            <a:schemeClr val="tx1"/>
+                          </a:solidFill>
+                        </a:rPr>
+                        <a:t>parameters</a:t>
+                      </a:r>
+                      <a:endParaRPr lang="de-DE" dirty="0">
+                        <a:solidFill>
+                          <a:schemeClr val="tx1"/>
+                        </a:solidFill>
+                      </a:endParaRPr>
+                    </a:p>
+                  </a:txBody>
+                  <a:tcPr>
+                    <a:noFill/>
+                  </a:tcPr>
+                </a:tc>
+                <a:extLst>
+                  <a:ext uri="{0D108BD9-81ED-4DB2-BD59-A6C34878D82A}">
+                    <a16:rowId xmlns:a16="http://schemas.microsoft.com/office/drawing/2014/main" val="2207385277"/>
+                  </a:ext>
+                </a:extLst>
+              </a:tr>
+            </a:tbl>
+          </a:graphicData>
+        </a:graphic>
+      </p:graphicFrame>
+      <p:pic>
+        <p:nvPicPr>
+          <p:cNvPr id="7" name="Grafik 6">
+            <a:extLst>
+              <a:ext uri="{FF2B5EF4-FFF2-40B4-BE49-F238E27FC236}">
+                <a16:creationId xmlns:a16="http://schemas.microsoft.com/office/drawing/2014/main" id="{9E091D56-C51B-CFDD-8956-8ABE14EB50C7}"/>
+              </a:ext>
+            </a:extLst>
+          </p:cNvPr>
+          <p:cNvPicPr>
+            <a:picLocks noChangeAspect="1"/>
+          </p:cNvPicPr>
+          <p:nvPr/>
+        </p:nvPicPr>
+        <p:blipFill>
+          <a:blip r:embed="rId2"/>
+          <a:stretch>
+            <a:fillRect/>
+          </a:stretch>
+        </p:blipFill>
+        <p:spPr>
+          <a:xfrm>
+            <a:off x="7191057" y="3429000"/>
+            <a:ext cx="3652520" cy="1178560"/>
+          </a:xfrm>
+          <a:prstGeom prst="rect">
+            <a:avLst/>
+          </a:prstGeom>
+        </p:spPr>
+      </p:pic>
+      <p:pic>
+        <p:nvPicPr>
+          <p:cNvPr id="9" name="Grafik 8">
+            <a:extLst>
+              <a:ext uri="{FF2B5EF4-FFF2-40B4-BE49-F238E27FC236}">
+                <a16:creationId xmlns:a16="http://schemas.microsoft.com/office/drawing/2014/main" id="{AB4ABC65-F422-B9F2-A27B-09D0C7EA3F91}"/>
+              </a:ext>
+            </a:extLst>
+          </p:cNvPr>
+          <p:cNvPicPr>
+            <a:picLocks noChangeAspect="1"/>
+          </p:cNvPicPr>
+          <p:nvPr/>
+        </p:nvPicPr>
+        <p:blipFill>
+          <a:blip r:embed="rId3"/>
+          <a:stretch>
+            <a:fillRect/>
+          </a:stretch>
+        </p:blipFill>
+        <p:spPr>
+          <a:xfrm>
+            <a:off x="7336154" y="4840382"/>
+            <a:ext cx="3362325" cy="1265279"/>
+          </a:xfrm>
+          <a:prstGeom prst="rect">
+            <a:avLst/>
+          </a:prstGeom>
+        </p:spPr>
+      </p:pic>
+      <p:pic>
+        <p:nvPicPr>
+          <p:cNvPr id="11" name="Grafik 10">
+            <a:extLst>
+              <a:ext uri="{FF2B5EF4-FFF2-40B4-BE49-F238E27FC236}">
+                <a16:creationId xmlns:a16="http://schemas.microsoft.com/office/drawing/2014/main" id="{B3377564-02E3-3C1E-69A2-F4CD3073AC73}"/>
+              </a:ext>
+            </a:extLst>
+          </p:cNvPr>
+          <p:cNvPicPr>
+            <a:picLocks noChangeAspect="1"/>
+          </p:cNvPicPr>
+          <p:nvPr/>
+        </p:nvPicPr>
+        <p:blipFill>
+          <a:blip r:embed="rId4"/>
+          <a:stretch>
+            <a:fillRect/>
+          </a:stretch>
+        </p:blipFill>
+        <p:spPr>
+          <a:xfrm>
+            <a:off x="2184400" y="3527081"/>
+            <a:ext cx="4065905" cy="1023329"/>
+          </a:xfrm>
+          <a:prstGeom prst="rect">
+            <a:avLst/>
+          </a:prstGeom>
+        </p:spPr>
+      </p:pic>
+      <p:pic>
+        <p:nvPicPr>
+          <p:cNvPr id="13" name="Grafik 12">
+            <a:extLst>
+              <a:ext uri="{FF2B5EF4-FFF2-40B4-BE49-F238E27FC236}">
+                <a16:creationId xmlns:a16="http://schemas.microsoft.com/office/drawing/2014/main" id="{9BAA703A-7B61-2D20-CE65-CDBB085B0824}"/>
+              </a:ext>
+            </a:extLst>
+          </p:cNvPr>
+          <p:cNvPicPr>
+            <a:picLocks noChangeAspect="1"/>
+          </p:cNvPicPr>
+          <p:nvPr/>
+        </p:nvPicPr>
+        <p:blipFill>
+          <a:blip r:embed="rId5"/>
+          <a:stretch>
+            <a:fillRect/>
+          </a:stretch>
+        </p:blipFill>
+        <p:spPr>
+          <a:xfrm>
+            <a:off x="2184400" y="4983266"/>
+            <a:ext cx="4065905" cy="979513"/>
+          </a:xfrm>
+          <a:prstGeom prst="rect">
+            <a:avLst/>
+          </a:prstGeom>
+        </p:spPr>
+      </p:pic>
     </p:spTree>
     <p:extLst>
       <p:ext uri="{BB962C8B-B14F-4D97-AF65-F5344CB8AC3E}">
-        <p14:creationId xmlns:p14="http://schemas.microsoft.com/office/powerpoint/2010/main" val="2149498025"/>
+        <p14:creationId xmlns:p14="http://schemas.microsoft.com/office/powerpoint/2010/main" val="2188568259"/>
       </p:ext>
     </p:extLst>
   </p:cSld>
